--- a/Design/ER new.pptx
+++ b/Design/ER new.pptx
@@ -288,7 +288,7 @@
           <a:p>
             <a:fld id="{8957AB3A-8B43-D94C-947A-D3DEA5B974B8}" type="datetimeFigureOut">
               <a:rPr lang="en-US" smtClean="0"/>
-              <a:t>10/20/14 </a:t>
+              <a:t>11/10/14 </a:t>
             </a:fld>
             <a:endParaRPr lang="en-US"/>
           </a:p>
@@ -458,7 +458,7 @@
           <a:p>
             <a:fld id="{8957AB3A-8B43-D94C-947A-D3DEA5B974B8}" type="datetimeFigureOut">
               <a:rPr lang="en-US" smtClean="0"/>
-              <a:t>10/20/14 </a:t>
+              <a:t>11/10/14 </a:t>
             </a:fld>
             <a:endParaRPr lang="en-US"/>
           </a:p>
@@ -638,7 +638,7 @@
           <a:p>
             <a:fld id="{8957AB3A-8B43-D94C-947A-D3DEA5B974B8}" type="datetimeFigureOut">
               <a:rPr lang="en-US" smtClean="0"/>
-              <a:t>10/20/14 </a:t>
+              <a:t>11/10/14 </a:t>
             </a:fld>
             <a:endParaRPr lang="en-US"/>
           </a:p>
@@ -808,7 +808,7 @@
           <a:p>
             <a:fld id="{8957AB3A-8B43-D94C-947A-D3DEA5B974B8}" type="datetimeFigureOut">
               <a:rPr lang="en-US" smtClean="0"/>
-              <a:t>10/20/14 </a:t>
+              <a:t>11/10/14 </a:t>
             </a:fld>
             <a:endParaRPr lang="en-US"/>
           </a:p>
@@ -1054,7 +1054,7 @@
           <a:p>
             <a:fld id="{8957AB3A-8B43-D94C-947A-D3DEA5B974B8}" type="datetimeFigureOut">
               <a:rPr lang="en-US" smtClean="0"/>
-              <a:t>10/20/14 </a:t>
+              <a:t>11/10/14 </a:t>
             </a:fld>
             <a:endParaRPr lang="en-US"/>
           </a:p>
@@ -1342,7 +1342,7 @@
           <a:p>
             <a:fld id="{8957AB3A-8B43-D94C-947A-D3DEA5B974B8}" type="datetimeFigureOut">
               <a:rPr lang="en-US" smtClean="0"/>
-              <a:t>10/20/14 </a:t>
+              <a:t>11/10/14 </a:t>
             </a:fld>
             <a:endParaRPr lang="en-US"/>
           </a:p>
@@ -1769,7 +1769,7 @@
           <a:p>
             <a:fld id="{8957AB3A-8B43-D94C-947A-D3DEA5B974B8}" type="datetimeFigureOut">
               <a:rPr lang="en-US" smtClean="0"/>
-              <a:t>10/20/14 </a:t>
+              <a:t>11/10/14 </a:t>
             </a:fld>
             <a:endParaRPr lang="en-US"/>
           </a:p>
@@ -1887,7 +1887,7 @@
           <a:p>
             <a:fld id="{8957AB3A-8B43-D94C-947A-D3DEA5B974B8}" type="datetimeFigureOut">
               <a:rPr lang="en-US" smtClean="0"/>
-              <a:t>10/20/14 </a:t>
+              <a:t>11/10/14 </a:t>
             </a:fld>
             <a:endParaRPr lang="en-US"/>
           </a:p>
@@ -1982,7 +1982,7 @@
           <a:p>
             <a:fld id="{8957AB3A-8B43-D94C-947A-D3DEA5B974B8}" type="datetimeFigureOut">
               <a:rPr lang="en-US" smtClean="0"/>
-              <a:t>10/20/14 </a:t>
+              <a:t>11/10/14 </a:t>
             </a:fld>
             <a:endParaRPr lang="en-US"/>
           </a:p>
@@ -2259,7 +2259,7 @@
           <a:p>
             <a:fld id="{8957AB3A-8B43-D94C-947A-D3DEA5B974B8}" type="datetimeFigureOut">
               <a:rPr lang="en-US" smtClean="0"/>
-              <a:t>10/20/14 </a:t>
+              <a:t>11/10/14 </a:t>
             </a:fld>
             <a:endParaRPr lang="en-US"/>
           </a:p>
@@ -2512,7 +2512,7 @@
           <a:p>
             <a:fld id="{8957AB3A-8B43-D94C-947A-D3DEA5B974B8}" type="datetimeFigureOut">
               <a:rPr lang="en-US" smtClean="0"/>
-              <a:t>10/20/14 </a:t>
+              <a:t>11/10/14 </a:t>
             </a:fld>
             <a:endParaRPr lang="en-US"/>
           </a:p>
@@ -2725,7 +2725,7 @@
           <a:p>
             <a:fld id="{8957AB3A-8B43-D94C-947A-D3DEA5B974B8}" type="datetimeFigureOut">
               <a:rPr lang="en-US" smtClean="0"/>
-              <a:t>10/20/14 </a:t>
+              <a:t>11/10/14 </a:t>
             </a:fld>
             <a:endParaRPr lang="en-US"/>
           </a:p>
@@ -6789,13 +6789,13 @@
           <p:nvPr>
             <p:extLst>
               <p:ext uri="{D42A27DB-BD31-4B8C-83A1-F6EECF244321}">
-                <p14:modId xmlns:p14="http://schemas.microsoft.com/office/powerpoint/2010/main" val="740106379"/>
+                <p14:modId xmlns:p14="http://schemas.microsoft.com/office/powerpoint/2010/main" val="556855796"/>
               </p:ext>
             </p:extLst>
           </p:nvPr>
         </p:nvGraphicFramePr>
         <p:xfrm>
-          <a:off x="20919766" y="13057899"/>
+          <a:off x="20919766" y="13222533"/>
           <a:ext cx="2631622" cy="2438766"/>
         </p:xfrm>
         <a:graphic>
@@ -6946,11 +6946,15 @@
                       </a:r>
                       <a:r>
                         <a:rPr lang="en-US" sz="2000" dirty="0" err="1" smtClean="0"/>
-                        <a:t>userID</a:t>
+                        <a:t>senderID</a:t>
                       </a:r>
                       <a:r>
                         <a:rPr lang="en-US" sz="2000" dirty="0" smtClean="0"/>
-                        <a:t> (FK)</a:t>
+                        <a:t> </a:t>
+                      </a:r>
+                      <a:r>
+                        <a:rPr lang="en-US" sz="2000" dirty="0" smtClean="0"/>
+                        <a:t>(FK)</a:t>
                       </a:r>
                       <a:endParaRPr lang="en-US" sz="2000" dirty="0"/>
                     </a:p>
@@ -7600,11 +7604,6 @@
                         </a:rPr>
                         <a:t>     time</a:t>
                       </a:r>
-                      <a:endParaRPr lang="en-US" sz="2000" dirty="0" smtClean="0">
-                        <a:solidFill>
-                          <a:schemeClr val="tx1"/>
-                        </a:solidFill>
-                      </a:endParaRPr>
                     </a:p>
                   </a:txBody>
                   <a:tcPr marT="45721" marB="45721" anchor="ctr"/>
@@ -7653,14 +7652,14 @@
           <p:nvPr>
             <p:extLst>
               <p:ext uri="{D42A27DB-BD31-4B8C-83A1-F6EECF244321}">
-                <p14:modId xmlns:p14="http://schemas.microsoft.com/office/powerpoint/2010/main" val="125360557"/>
+                <p14:modId xmlns:p14="http://schemas.microsoft.com/office/powerpoint/2010/main" val="3215538852"/>
               </p:ext>
             </p:extLst>
           </p:nvPr>
         </p:nvGraphicFramePr>
         <p:xfrm>
           <a:off x="20919766" y="10044810"/>
-          <a:ext cx="2499707" cy="1646140"/>
+          <a:ext cx="2499707" cy="2042453"/>
         </p:xfrm>
         <a:graphic>
           <a:graphicData uri="http://schemas.openxmlformats.org/drawingml/2006/table">
@@ -7831,15 +7830,48 @@
                             <a:schemeClr val="tx1"/>
                           </a:solidFill>
                         </a:rPr>
-                        <a:t>     </a:t>
-                      </a:r>
-                      <a:r>
-                        <a:rPr lang="en-US" sz="2000" baseline="0" dirty="0" smtClean="0">
+                        <a:t>     userID_2</a:t>
+                      </a:r>
+                      <a:endParaRPr lang="en-US" sz="2000" dirty="0" smtClean="0">
+                        <a:solidFill>
+                          <a:schemeClr val="tx1"/>
+                        </a:solidFill>
+                      </a:endParaRPr>
+                    </a:p>
+                  </a:txBody>
+                  <a:tcPr marT="45721" marB="45721" anchor="ctr"/>
+                </a:tc>
+              </a:tr>
+              <a:tr h="396313">
+                <a:tc>
+                  <a:txBody>
+                    <a:bodyPr/>
+                    <a:lstStyle/>
+                    <a:p>
+                      <a:pPr marL="0" marR="0" indent="0" algn="l" defTabSz="457200" rtl="0" eaLnBrk="1" fontAlgn="auto" latinLnBrk="0" hangingPunct="1">
+                        <a:lnSpc>
+                          <a:spcPct val="100000"/>
+                        </a:lnSpc>
+                        <a:spcBef>
+                          <a:spcPts val="0"/>
+                        </a:spcBef>
+                        <a:spcAft>
+                          <a:spcPts val="0"/>
+                        </a:spcAft>
+                        <a:buClrTx/>
+                        <a:buSzTx/>
+                        <a:buFontTx/>
+                        <a:buNone/>
+                        <a:tabLst/>
+                        <a:defRPr/>
+                      </a:pPr>
+                      <a:r>
+                        <a:rPr lang="en-US" sz="2000" dirty="0" smtClean="0">
                           <a:solidFill>
                             <a:schemeClr val="tx1"/>
                           </a:solidFill>
                         </a:rPr>
-                        <a:t>userID_2</a:t>
+                        <a:t>     status</a:t>
                       </a:r>
                       <a:endParaRPr lang="en-US" sz="2000" dirty="0" smtClean="0">
                         <a:solidFill>
@@ -7990,15 +8022,7 @@
                             <a:schemeClr val="tx1"/>
                           </a:solidFill>
                         </a:rPr>
-                        <a:t> </a:t>
-                      </a:r>
-                      <a:r>
-                        <a:rPr lang="en-US" sz="2000" dirty="0" smtClean="0">
-                          <a:solidFill>
-                            <a:schemeClr val="tx1"/>
-                          </a:solidFill>
-                        </a:rPr>
-                        <a:t>(PK)</a:t>
+                        <a:t> (PK)</a:t>
                       </a:r>
                     </a:p>
                   </a:txBody>
@@ -8332,8 +8356,8 @@
         </p:nvCxnSpPr>
         <p:spPr>
           <a:xfrm>
-            <a:off x="21762441" y="11679250"/>
-            <a:ext cx="859" cy="1137561"/>
+            <a:off x="21763300" y="12087263"/>
+            <a:ext cx="0" cy="729548"/>
           </a:xfrm>
           <a:prstGeom prst="line">
             <a:avLst/>
@@ -8548,7 +8572,7 @@
         </p:nvCxnSpPr>
         <p:spPr>
           <a:xfrm flipV="1">
-            <a:off x="21763300" y="11682139"/>
+            <a:off x="21763300" y="12087263"/>
             <a:ext cx="215525" cy="259989"/>
           </a:xfrm>
           <a:prstGeom prst="line">
@@ -8584,7 +8608,7 @@
         </p:nvCxnSpPr>
         <p:spPr>
           <a:xfrm>
-            <a:off x="21534706" y="11679250"/>
+            <a:off x="21534706" y="12084374"/>
             <a:ext cx="219803" cy="259989"/>
           </a:xfrm>
           <a:prstGeom prst="line">
@@ -8620,7 +8644,7 @@
         </p:nvCxnSpPr>
         <p:spPr>
           <a:xfrm>
-            <a:off x="21596449" y="11942128"/>
+            <a:off x="21596449" y="12347252"/>
             <a:ext cx="333989" cy="0"/>
           </a:xfrm>
           <a:prstGeom prst="line">
@@ -10854,9 +10878,9 @@
           <p:nvPr/>
         </p:nvCxnSpPr>
         <p:spPr>
-          <a:xfrm flipH="1">
-            <a:off x="22618292" y="11691395"/>
-            <a:ext cx="1" cy="1366504"/>
+          <a:xfrm>
+            <a:off x="22616146" y="12084374"/>
+            <a:ext cx="2147" cy="1138159"/>
           </a:xfrm>
           <a:prstGeom prst="line">
             <a:avLst/>
@@ -10891,7 +10915,7 @@
         </p:nvCxnSpPr>
         <p:spPr>
           <a:xfrm>
-            <a:off x="22453656" y="11863093"/>
+            <a:off x="22449151" y="12227864"/>
             <a:ext cx="333989" cy="0"/>
           </a:xfrm>
           <a:prstGeom prst="line">
@@ -10927,7 +10951,7 @@
         </p:nvCxnSpPr>
         <p:spPr>
           <a:xfrm>
-            <a:off x="22616146" y="12800771"/>
+            <a:off x="22616146" y="12962544"/>
             <a:ext cx="219803" cy="259989"/>
           </a:xfrm>
           <a:prstGeom prst="line">
@@ -10963,7 +10987,7 @@
         </p:nvCxnSpPr>
         <p:spPr>
           <a:xfrm flipV="1">
-            <a:off x="22400621" y="12800771"/>
+            <a:off x="22400621" y="12962544"/>
             <a:ext cx="215525" cy="259989"/>
           </a:xfrm>
           <a:prstGeom prst="line">
@@ -10999,7 +11023,7 @@
         </p:nvCxnSpPr>
         <p:spPr>
           <a:xfrm>
-            <a:off x="22453656" y="12800771"/>
+            <a:off x="22453656" y="12962544"/>
             <a:ext cx="333989" cy="0"/>
           </a:xfrm>
           <a:prstGeom prst="line">
